--- a/Arduino_UNO_HC-05傳訊.pptx
+++ b/Arduino_UNO_HC-05傳訊.pptx
@@ -114,6 +114,11 @@
       </a:defRPr>
     </a:lvl9pPr>
   </p:defaultTextStyle>
+  <p:extLst>
+    <p:ext uri="{EFAFB233-063F-42B5-8137-9DF3F51BA10A}">
+      <p15:sldGuideLst xmlns:p15="http://schemas.microsoft.com/office/powerpoint/2012/main"/>
+    </p:ext>
+  </p:extLst>
 </p:presentation>
 </file>
 
@@ -248,7 +253,7 @@
           <a:p>
             <a:fld id="{5280B51B-AACF-487E-9AF4-38E558D2D49E}" type="datetimeFigureOut">
               <a:rPr lang="zh-TW" altLang="en-US" smtClean="0"/>
-              <a:t>2020/10/12</a:t>
+              <a:t>2020/10/17</a:t>
             </a:fld>
             <a:endParaRPr lang="zh-TW" altLang="en-US"/>
           </a:p>
@@ -418,7 +423,7 @@
           <a:p>
             <a:fld id="{5280B51B-AACF-487E-9AF4-38E558D2D49E}" type="datetimeFigureOut">
               <a:rPr lang="zh-TW" altLang="en-US" smtClean="0"/>
-              <a:t>2020/10/12</a:t>
+              <a:t>2020/10/17</a:t>
             </a:fld>
             <a:endParaRPr lang="zh-TW" altLang="en-US"/>
           </a:p>
@@ -598,7 +603,7 @@
           <a:p>
             <a:fld id="{5280B51B-AACF-487E-9AF4-38E558D2D49E}" type="datetimeFigureOut">
               <a:rPr lang="zh-TW" altLang="en-US" smtClean="0"/>
-              <a:t>2020/10/12</a:t>
+              <a:t>2020/10/17</a:t>
             </a:fld>
             <a:endParaRPr lang="zh-TW" altLang="en-US"/>
           </a:p>
@@ -768,7 +773,7 @@
           <a:p>
             <a:fld id="{5280B51B-AACF-487E-9AF4-38E558D2D49E}" type="datetimeFigureOut">
               <a:rPr lang="zh-TW" altLang="en-US" smtClean="0"/>
-              <a:t>2020/10/12</a:t>
+              <a:t>2020/10/17</a:t>
             </a:fld>
             <a:endParaRPr lang="zh-TW" altLang="en-US"/>
           </a:p>
@@ -1014,7 +1019,7 @@
           <a:p>
             <a:fld id="{5280B51B-AACF-487E-9AF4-38E558D2D49E}" type="datetimeFigureOut">
               <a:rPr lang="zh-TW" altLang="en-US" smtClean="0"/>
-              <a:t>2020/10/12</a:t>
+              <a:t>2020/10/17</a:t>
             </a:fld>
             <a:endParaRPr lang="zh-TW" altLang="en-US"/>
           </a:p>
@@ -1246,7 +1251,7 @@
           <a:p>
             <a:fld id="{5280B51B-AACF-487E-9AF4-38E558D2D49E}" type="datetimeFigureOut">
               <a:rPr lang="zh-TW" altLang="en-US" smtClean="0"/>
-              <a:t>2020/10/12</a:t>
+              <a:t>2020/10/17</a:t>
             </a:fld>
             <a:endParaRPr lang="zh-TW" altLang="en-US"/>
           </a:p>
@@ -1613,7 +1618,7 @@
           <a:p>
             <a:fld id="{5280B51B-AACF-487E-9AF4-38E558D2D49E}" type="datetimeFigureOut">
               <a:rPr lang="zh-TW" altLang="en-US" smtClean="0"/>
-              <a:t>2020/10/12</a:t>
+              <a:t>2020/10/17</a:t>
             </a:fld>
             <a:endParaRPr lang="zh-TW" altLang="en-US"/>
           </a:p>
@@ -1731,7 +1736,7 @@
           <a:p>
             <a:fld id="{5280B51B-AACF-487E-9AF4-38E558D2D49E}" type="datetimeFigureOut">
               <a:rPr lang="zh-TW" altLang="en-US" smtClean="0"/>
-              <a:t>2020/10/12</a:t>
+              <a:t>2020/10/17</a:t>
             </a:fld>
             <a:endParaRPr lang="zh-TW" altLang="en-US"/>
           </a:p>
@@ -1826,7 +1831,7 @@
           <a:p>
             <a:fld id="{5280B51B-AACF-487E-9AF4-38E558D2D49E}" type="datetimeFigureOut">
               <a:rPr lang="zh-TW" altLang="en-US" smtClean="0"/>
-              <a:t>2020/10/12</a:t>
+              <a:t>2020/10/17</a:t>
             </a:fld>
             <a:endParaRPr lang="zh-TW" altLang="en-US"/>
           </a:p>
@@ -2103,7 +2108,7 @@
           <a:p>
             <a:fld id="{5280B51B-AACF-487E-9AF4-38E558D2D49E}" type="datetimeFigureOut">
               <a:rPr lang="zh-TW" altLang="en-US" smtClean="0"/>
-              <a:t>2020/10/12</a:t>
+              <a:t>2020/10/17</a:t>
             </a:fld>
             <a:endParaRPr lang="zh-TW" altLang="en-US"/>
           </a:p>
@@ -2356,7 +2361,7 @@
           <a:p>
             <a:fld id="{5280B51B-AACF-487E-9AF4-38E558D2D49E}" type="datetimeFigureOut">
               <a:rPr lang="zh-TW" altLang="en-US" smtClean="0"/>
-              <a:t>2020/10/12</a:t>
+              <a:t>2020/10/17</a:t>
             </a:fld>
             <a:endParaRPr lang="zh-TW" altLang="en-US"/>
           </a:p>
@@ -2569,7 +2574,7 @@
           <a:p>
             <a:fld id="{5280B51B-AACF-487E-9AF4-38E558D2D49E}" type="datetimeFigureOut">
               <a:rPr lang="zh-TW" altLang="en-US" smtClean="0"/>
-              <a:t>2020/10/12</a:t>
+              <a:t>2020/10/17</a:t>
             </a:fld>
             <a:endParaRPr lang="zh-TW" altLang="en-US"/>
           </a:p>
@@ -3537,11 +3542,7 @@
             </a:r>
             <a:r>
               <a:rPr lang="en-US" altLang="zh-TW" dirty="0" smtClean="0"/>
-              <a:t> Arduino </a:t>
-            </a:r>
-            <a:r>
-              <a:rPr lang="en-US" altLang="zh-TW" dirty="0" smtClean="0"/>
-              <a:t>UNO </a:t>
+              <a:t> Arduino UNO </a:t>
             </a:r>
             <a:r>
               <a:rPr lang="zh-TW" altLang="zh-TW" dirty="0" smtClean="0"/>
@@ -3615,11 +3616,7 @@
             </a:r>
             <a:r>
               <a:rPr lang="en-US" altLang="zh-TW" dirty="0" smtClean="0"/>
-              <a:t> </a:t>
-            </a:r>
-            <a:r>
-              <a:rPr lang="en-US" altLang="zh-TW" dirty="0" smtClean="0"/>
-              <a:t>Slave </a:t>
+              <a:t> Slave </a:t>
             </a:r>
             <a:r>
               <a:rPr lang="zh-TW" altLang="en-US" dirty="0" smtClean="0"/>
@@ -3646,19 +3643,11 @@
           <a:p>
             <a:r>
               <a:rPr lang="zh-TW" altLang="zh-TW" dirty="0" smtClean="0"/>
-              <a:t>按</a:t>
-            </a:r>
-            <a:r>
-              <a:rPr lang="zh-TW" altLang="zh-TW" dirty="0" smtClean="0"/>
-              <a:t>下</a:t>
-            </a:r>
-            <a:r>
-              <a:rPr lang="en-US" altLang="zh-TW" dirty="0" smtClean="0"/>
-              <a:t> </a:t>
-            </a:r>
-            <a:r>
-              <a:rPr lang="en-US" altLang="zh-TW" dirty="0" smtClean="0"/>
-              <a:t>Slave </a:t>
+              <a:t>按下</a:t>
+            </a:r>
+            <a:r>
+              <a:rPr lang="en-US" altLang="zh-TW" dirty="0" smtClean="0"/>
+              <a:t> Slave </a:t>
             </a:r>
             <a:r>
               <a:rPr lang="zh-TW" altLang="en-US" dirty="0" smtClean="0"/>
@@ -3767,11 +3756,7 @@
             </a:r>
             <a:r>
               <a:rPr lang="zh-TW" altLang="en-US" dirty="0" smtClean="0"/>
-              <a:t>接</a:t>
-            </a:r>
-            <a:r>
-              <a:rPr lang="zh-TW" altLang="en-US" dirty="0" smtClean="0"/>
-              <a:t>繼電器，也可以觸發其他設備。</a:t>
+              <a:t>接繼電器，也可以觸發其他設備。</a:t>
             </a:r>
             <a:endParaRPr lang="zh-TW" altLang="zh-TW" dirty="0"/>
           </a:p>
@@ -3858,15 +3843,7 @@
           <a:p>
             <a:r>
               <a:rPr lang="zh-TW" altLang="en-US" dirty="0" smtClean="0"/>
-              <a:t>只有此</a:t>
-            </a:r>
-            <a:r>
-              <a:rPr lang="zh-TW" altLang="en-US" dirty="0" smtClean="0"/>
-              <a:t>配對</a:t>
-            </a:r>
-            <a:r>
-              <a:rPr lang="zh-TW" altLang="en-US" dirty="0" smtClean="0"/>
-              <a:t>組合才能彼此連線，其他</a:t>
+              <a:t>只有此配對組合才能彼此連線，其他</a:t>
             </a:r>
             <a:r>
               <a:rPr lang="zh-TW" altLang="zh-TW" dirty="0" smtClean="0"/>
@@ -3874,11 +3851,7 @@
             </a:r>
             <a:r>
               <a:rPr lang="zh-TW" altLang="en-US" dirty="0" smtClean="0"/>
-              <a:t>設備</a:t>
-            </a:r>
-            <a:r>
-              <a:rPr lang="zh-TW" altLang="en-US" dirty="0" smtClean="0"/>
-              <a:t>連接不到。</a:t>
+              <a:t>設備連接不到。</a:t>
             </a:r>
             <a:endParaRPr lang="en-US" altLang="zh-TW" dirty="0" smtClean="0"/>
           </a:p>
@@ -3943,11 +3916,7 @@
             </a:r>
             <a:r>
               <a:rPr lang="en-US" altLang="zh-TW" dirty="0" smtClean="0"/>
-              <a:t>Arduino </a:t>
-            </a:r>
-            <a:r>
-              <a:rPr lang="en-US" altLang="zh-TW" dirty="0" smtClean="0"/>
-              <a:t>HC-05</a:t>
+              <a:t>Arduino HC-05</a:t>
             </a:r>
             <a:r>
               <a:rPr lang="zh-TW" altLang="zh-TW" dirty="0" smtClean="0"/>
@@ -5783,8 +5752,8 @@
           </a:p>
           <a:p>
             <a:r>
-              <a:rPr lang="en-US" altLang="zh-TW" dirty="0" err="1" smtClean="0"/>
-              <a:t>BT_Master_Slave.abp</a:t>
+              <a:rPr lang="en-US" altLang="zh-TW"/>
+              <a:t>BT_Master_Slave_High_Low.abp</a:t>
             </a:r>
             <a:endParaRPr lang="zh-TW" altLang="zh-TW" dirty="0"/>
           </a:p>
